--- a/slides/lidl_case_study_Chabanova_Evgeniya.pptx
+++ b/slides/lidl_case_study_Chabanova_Evgeniya.pptx
@@ -3669,7 +3669,7 @@
           <p:nvPr>
             <p:extLst>
               <p:ext uri="{D42A27DB-BD31-4B8C-83A1-F6EECF244321}">
-                <p14:modId xmlns:p14="http://schemas.microsoft.com/office/powerpoint/2010/main" val="3049324782"/>
+                <p14:modId xmlns:p14="http://schemas.microsoft.com/office/powerpoint/2010/main" val="1586656775"/>
               </p:ext>
             </p:extLst>
           </p:nvPr>
@@ -3903,7 +3903,7 @@
                       <a:pPr algn="r"/>
                       <a:r>
                         <a:rPr lang="en-US" sz="1300" dirty="0"/>
-                        <a:t>12,5***</a:t>
+                        <a:t>12.5***</a:t>
                       </a:r>
                     </a:p>
                   </a:txBody>
@@ -4263,8 +4263,8 @@
           </p:nvSpPr>
           <p:spPr>
             <a:xfrm>
-              <a:off x="6096000" y="1799603"/>
-              <a:ext cx="4774167" cy="830997"/>
+              <a:off x="6096000" y="2702990"/>
+              <a:ext cx="5912386" cy="461665"/>
             </a:xfrm>
             <a:prstGeom prst="rect">
               <a:avLst/>
@@ -4439,8 +4439,8 @@
           </p:nvSpPr>
           <p:spPr>
             <a:xfrm>
-              <a:off x="6071042" y="1529592"/>
-              <a:ext cx="6097162" cy="343235"/>
+              <a:off x="6071042" y="2432979"/>
+              <a:ext cx="6097162" cy="315407"/>
             </a:xfrm>
             <a:prstGeom prst="rect">
               <a:avLst/>
@@ -4462,7 +4462,7 @@
                 </a:spcBef>
               </a:pPr>
               <a:r>
-                <a:rPr lang="de-DE" sz="1800" b="1" dirty="0">
+                <a:rPr lang="de-DE" sz="1600" b="1" dirty="0">
                   <a:solidFill>
                     <a:schemeClr val="tx2">
                       <a:lumMod val="90000"/>
@@ -4722,6 +4722,257 @@
               </a:solidFill>
               <a:latin typeface="+mj-lt"/>
             </a:endParaRPr>
+          </a:p>
+        </p:txBody>
+      </p:sp>
+      <p:sp>
+        <p:nvSpPr>
+          <p:cNvPr id="10" name="TextBox 9">
+            <a:extLst>
+              <a:ext uri="{FF2B5EF4-FFF2-40B4-BE49-F238E27FC236}">
+                <a16:creationId xmlns:a16="http://schemas.microsoft.com/office/drawing/2014/main" id="{AF6591BD-9ECF-DF58-4E8A-F919247AD151}"/>
+              </a:ext>
+            </a:extLst>
+          </p:cNvPr>
+          <p:cNvSpPr txBox="1"/>
+          <p:nvPr/>
+        </p:nvSpPr>
+        <p:spPr>
+          <a:xfrm>
+            <a:off x="6071042" y="1652953"/>
+            <a:ext cx="5651022" cy="646331"/>
+          </a:xfrm>
+          <a:prstGeom prst="rect">
+            <a:avLst/>
+          </a:prstGeom>
+          <a:noFill/>
+        </p:spPr>
+        <p:txBody>
+          <a:bodyPr wrap="square" rtlCol="0">
+            <a:spAutoFit/>
+          </a:bodyPr>
+          <a:lstStyle/>
+          <a:p>
+            <a:pPr marL="171450" indent="-171450">
+              <a:buFont typeface="Arial" panose="020B0604020202020204" pitchFamily="34" charset="0"/>
+              <a:buChar char="•"/>
+            </a:pPr>
+            <a:r>
+              <a:rPr lang="de-DE" sz="1200" dirty="0">
+                <a:latin typeface="+mj-lt"/>
+              </a:rPr>
+              <a:t>Geschmack: </a:t>
+            </a:r>
+            <a:r>
+              <a:rPr lang="de-DE" sz="1200" dirty="0" err="1">
+                <a:latin typeface="IBM Plex Sans" panose="020B0503050203000203" pitchFamily="34" charset="0"/>
+              </a:rPr>
+              <a:t>fruity</a:t>
+            </a:r>
+            <a:r>
+              <a:rPr lang="de-DE" sz="1200" dirty="0">
+                <a:latin typeface="+mj-lt"/>
+              </a:rPr>
+              <a:t> ist ein eigenständiger Geschmack, </a:t>
+            </a:r>
+            <a:r>
+              <a:rPr lang="de-DE" sz="1200" dirty="0" err="1">
+                <a:latin typeface="IBM Plex Mono" panose="020B0509050203000203" pitchFamily="49" charset="77"/>
+              </a:rPr>
+              <a:t>chocolate</a:t>
+            </a:r>
+            <a:r>
+              <a:rPr lang="de-DE" sz="1200" dirty="0">
+                <a:latin typeface="+mj-lt"/>
+              </a:rPr>
+              <a:t> oft kombiniert</a:t>
+            </a:r>
+          </a:p>
+          <a:p>
+            <a:pPr marL="171450" indent="-171450">
+              <a:buFont typeface="Arial" panose="020B0604020202020204" pitchFamily="34" charset="0"/>
+              <a:buChar char="•"/>
+            </a:pPr>
+            <a:r>
+              <a:rPr lang="de-DE" sz="1200" dirty="0">
+                <a:latin typeface="+mj-lt"/>
+              </a:rPr>
+              <a:t>Form: </a:t>
+            </a:r>
+            <a:r>
+              <a:rPr lang="de-DE" sz="1200" dirty="0" err="1">
+                <a:latin typeface="IBM Plex Mono" panose="020B0509050203000203" pitchFamily="49" charset="77"/>
+              </a:rPr>
+              <a:t>chocolate</a:t>
+            </a:r>
+            <a:r>
+              <a:rPr lang="de-DE" sz="1200" dirty="0">
+                <a:latin typeface="+mj-lt"/>
+              </a:rPr>
+              <a:t> – </a:t>
+            </a:r>
+            <a:r>
+              <a:rPr lang="de-DE" sz="1200" dirty="0" err="1">
+                <a:latin typeface="+mj-lt"/>
+              </a:rPr>
+              <a:t>bars</a:t>
+            </a:r>
+            <a:r>
+              <a:rPr lang="de-DE" sz="1200" dirty="0">
+                <a:latin typeface="+mj-lt"/>
+              </a:rPr>
+              <a:t>, </a:t>
+            </a:r>
+            <a:r>
+              <a:rPr lang="de-DE" sz="1200" dirty="0" err="1">
+                <a:latin typeface="IBM Plex Sans" panose="020B0503050203000203" pitchFamily="34" charset="0"/>
+              </a:rPr>
+              <a:t>fruity</a:t>
+            </a:r>
+            <a:r>
+              <a:rPr lang="de-DE" sz="1200" dirty="0">
+                <a:latin typeface="+mj-lt"/>
+              </a:rPr>
+              <a:t> - </a:t>
+            </a:r>
+            <a:r>
+              <a:rPr lang="de-DE" sz="1200" dirty="0" err="1">
+                <a:latin typeface="+mj-lt"/>
+              </a:rPr>
+              <a:t>hard</a:t>
+            </a:r>
+            <a:r>
+              <a:rPr lang="de-DE" sz="1200" dirty="0">
+                <a:latin typeface="+mj-lt"/>
+              </a:rPr>
+              <a:t> und/oder </a:t>
+            </a:r>
+            <a:r>
+              <a:rPr lang="de-DE" sz="1200" dirty="0" err="1">
+                <a:latin typeface="+mj-lt"/>
+              </a:rPr>
+              <a:t>pluribus</a:t>
+            </a:r>
+            <a:endParaRPr lang="de-DE" sz="1200" dirty="0">
+              <a:latin typeface="+mj-lt"/>
+            </a:endParaRPr>
+          </a:p>
+          <a:p>
+            <a:pPr marL="171450" indent="-171450">
+              <a:buFont typeface="Arial" panose="020B0604020202020204" pitchFamily="34" charset="0"/>
+              <a:buChar char="•"/>
+            </a:pPr>
+            <a:r>
+              <a:rPr lang="de-DE" sz="1200" dirty="0">
+                <a:latin typeface="+mj-lt"/>
+              </a:rPr>
+              <a:t>Preis: </a:t>
+            </a:r>
+            <a:r>
+              <a:rPr lang="de-DE" sz="1200" dirty="0" err="1">
+                <a:latin typeface="IBM Plex Mono" panose="020B0509050203000203" pitchFamily="49" charset="77"/>
+              </a:rPr>
+              <a:t>chocolate</a:t>
+            </a:r>
+            <a:r>
+              <a:rPr lang="de-DE" sz="1200" dirty="0">
+                <a:latin typeface="+mj-lt"/>
+              </a:rPr>
+              <a:t> und </a:t>
+            </a:r>
+            <a:r>
+              <a:rPr lang="de-DE" sz="1200" dirty="0" err="1">
+                <a:latin typeface="IBM Plex Sans" panose="020B0503050203000203" pitchFamily="34" charset="0"/>
+              </a:rPr>
+              <a:t>fruity</a:t>
+            </a:r>
+            <a:r>
+              <a:rPr lang="de-DE" sz="1200" dirty="0">
+                <a:latin typeface="+mj-lt"/>
+              </a:rPr>
+              <a:t> können in unterschiedlichen Preiskategorien liegen</a:t>
+            </a:r>
+          </a:p>
+        </p:txBody>
+      </p:sp>
+      <p:sp>
+        <p:nvSpPr>
+          <p:cNvPr id="13" name="TextBox 12">
+            <a:extLst>
+              <a:ext uri="{FF2B5EF4-FFF2-40B4-BE49-F238E27FC236}">
+                <a16:creationId xmlns:a16="http://schemas.microsoft.com/office/drawing/2014/main" id="{C32B058D-4A4E-460C-E7BC-3878E0C9F197}"/>
+              </a:ext>
+            </a:extLst>
+          </p:cNvPr>
+          <p:cNvSpPr txBox="1"/>
+          <p:nvPr/>
+        </p:nvSpPr>
+        <p:spPr>
+          <a:xfrm>
+            <a:off x="6071042" y="1382976"/>
+            <a:ext cx="6097162" cy="315407"/>
+          </a:xfrm>
+          <a:prstGeom prst="rect">
+            <a:avLst/>
+          </a:prstGeom>
+          <a:noFill/>
+        </p:spPr>
+        <p:txBody>
+          <a:bodyPr wrap="square">
+            <a:spAutoFit/>
+          </a:bodyPr>
+          <a:lstStyle/>
+          <a:p>
+            <a:pPr>
+              <a:lnSpc>
+                <a:spcPct val="90000"/>
+              </a:lnSpc>
+              <a:spcBef>
+                <a:spcPct val="0"/>
+              </a:spcBef>
+            </a:pPr>
+            <a:r>
+              <a:rPr lang="de-DE" sz="1600" b="1" dirty="0">
+                <a:solidFill>
+                  <a:schemeClr val="tx2">
+                    <a:lumMod val="90000"/>
+                    <a:lumOff val="10000"/>
+                  </a:schemeClr>
+                </a:solidFill>
+                <a:latin typeface="+mj-lt"/>
+                <a:ea typeface="+mj-ea"/>
+                <a:cs typeface="+mj-cs"/>
+              </a:rPr>
+              <a:t>Explorative </a:t>
+            </a:r>
+            <a:r>
+              <a:rPr lang="de-DE" sz="1600" b="1" dirty="0" err="1">
+                <a:solidFill>
+                  <a:schemeClr val="tx2">
+                    <a:lumMod val="90000"/>
+                    <a:lumOff val="10000"/>
+                  </a:schemeClr>
+                </a:solidFill>
+                <a:latin typeface="+mj-lt"/>
+                <a:ea typeface="+mj-ea"/>
+                <a:cs typeface="+mj-cs"/>
+              </a:rPr>
+              <a:t>Insights</a:t>
+            </a:r>
+            <a:r>
+              <a:rPr lang="de-DE" sz="1600" b="1" dirty="0">
+                <a:solidFill>
+                  <a:schemeClr val="tx2">
+                    <a:lumMod val="90000"/>
+                    <a:lumOff val="10000"/>
+                  </a:schemeClr>
+                </a:solidFill>
+                <a:latin typeface="+mj-lt"/>
+                <a:ea typeface="+mj-ea"/>
+                <a:cs typeface="+mj-cs"/>
+              </a:rPr>
+              <a:t>:</a:t>
+            </a:r>
           </a:p>
         </p:txBody>
       </p:sp>
